--- a/screenshot.pptx
+++ b/screenshot.pptx
@@ -288,7 +288,7 @@
           <a:p>
             <a:fld id="{77879807-CB0A-4859-A144-7111BE9AD522}" type="datetimeFigureOut">
               <a:rPr lang="en-US" smtClean="0"/>
-              <a:t>4/18/2015</a:t>
+              <a:t>4/20/2015</a:t>
             </a:fld>
             <a:endParaRPr lang="en-US"/>
           </a:p>
@@ -458,7 +458,7 @@
           <a:p>
             <a:fld id="{77879807-CB0A-4859-A144-7111BE9AD522}" type="datetimeFigureOut">
               <a:rPr lang="en-US" smtClean="0"/>
-              <a:t>4/18/2015</a:t>
+              <a:t>4/20/2015</a:t>
             </a:fld>
             <a:endParaRPr lang="en-US"/>
           </a:p>
@@ -638,7 +638,7 @@
           <a:p>
             <a:fld id="{77879807-CB0A-4859-A144-7111BE9AD522}" type="datetimeFigureOut">
               <a:rPr lang="en-US" smtClean="0"/>
-              <a:t>4/18/2015</a:t>
+              <a:t>4/20/2015</a:t>
             </a:fld>
             <a:endParaRPr lang="en-US"/>
           </a:p>
@@ -808,7 +808,7 @@
           <a:p>
             <a:fld id="{77879807-CB0A-4859-A144-7111BE9AD522}" type="datetimeFigureOut">
               <a:rPr lang="en-US" smtClean="0"/>
-              <a:t>4/18/2015</a:t>
+              <a:t>4/20/2015</a:t>
             </a:fld>
             <a:endParaRPr lang="en-US"/>
           </a:p>
@@ -1054,7 +1054,7 @@
           <a:p>
             <a:fld id="{77879807-CB0A-4859-A144-7111BE9AD522}" type="datetimeFigureOut">
               <a:rPr lang="en-US" smtClean="0"/>
-              <a:t>4/18/2015</a:t>
+              <a:t>4/20/2015</a:t>
             </a:fld>
             <a:endParaRPr lang="en-US"/>
           </a:p>
@@ -1342,7 +1342,7 @@
           <a:p>
             <a:fld id="{77879807-CB0A-4859-A144-7111BE9AD522}" type="datetimeFigureOut">
               <a:rPr lang="en-US" smtClean="0"/>
-              <a:t>4/18/2015</a:t>
+              <a:t>4/20/2015</a:t>
             </a:fld>
             <a:endParaRPr lang="en-US"/>
           </a:p>
@@ -1764,7 +1764,7 @@
           <a:p>
             <a:fld id="{77879807-CB0A-4859-A144-7111BE9AD522}" type="datetimeFigureOut">
               <a:rPr lang="en-US" smtClean="0"/>
-              <a:t>4/18/2015</a:t>
+              <a:t>4/20/2015</a:t>
             </a:fld>
             <a:endParaRPr lang="en-US"/>
           </a:p>
@@ -1882,7 +1882,7 @@
           <a:p>
             <a:fld id="{77879807-CB0A-4859-A144-7111BE9AD522}" type="datetimeFigureOut">
               <a:rPr lang="en-US" smtClean="0"/>
-              <a:t>4/18/2015</a:t>
+              <a:t>4/20/2015</a:t>
             </a:fld>
             <a:endParaRPr lang="en-US"/>
           </a:p>
@@ -1977,7 +1977,7 @@
           <a:p>
             <a:fld id="{77879807-CB0A-4859-A144-7111BE9AD522}" type="datetimeFigureOut">
               <a:rPr lang="en-US" smtClean="0"/>
-              <a:t>4/18/2015</a:t>
+              <a:t>4/20/2015</a:t>
             </a:fld>
             <a:endParaRPr lang="en-US"/>
           </a:p>
@@ -2254,7 +2254,7 @@
           <a:p>
             <a:fld id="{77879807-CB0A-4859-A144-7111BE9AD522}" type="datetimeFigureOut">
               <a:rPr lang="en-US" smtClean="0"/>
-              <a:t>4/18/2015</a:t>
+              <a:t>4/20/2015</a:t>
             </a:fld>
             <a:endParaRPr lang="en-US"/>
           </a:p>
@@ -2507,7 +2507,7 @@
           <a:p>
             <a:fld id="{77879807-CB0A-4859-A144-7111BE9AD522}" type="datetimeFigureOut">
               <a:rPr lang="en-US" smtClean="0"/>
-              <a:t>4/18/2015</a:t>
+              <a:t>4/20/2015</a:t>
             </a:fld>
             <a:endParaRPr lang="en-US"/>
           </a:p>
@@ -2720,7 +2720,7 @@
           <a:p>
             <a:fld id="{77879807-CB0A-4859-A144-7111BE9AD522}" type="datetimeFigureOut">
               <a:rPr lang="en-US" smtClean="0"/>
-              <a:t>4/18/2015</a:t>
+              <a:t>4/20/2015</a:t>
             </a:fld>
             <a:endParaRPr lang="en-US"/>
           </a:p>
@@ -3097,7 +3097,7 @@
       </p:grpSpPr>
       <p:pic>
         <p:nvPicPr>
-          <p:cNvPr id="2" name="Picture 1" descr="main"/>
+          <p:cNvPr id="3" name="Picture 2" descr="PARAFAC"/>
           <p:cNvPicPr>
             <a:picLocks noChangeAspect="1"/>
           </p:cNvPicPr>
@@ -3117,8 +3117,8 @@
         </p:blipFill>
         <p:spPr>
           <a:xfrm>
-            <a:off x="1204442" y="733048"/>
-            <a:ext cx="6735115" cy="5391903"/>
+            <a:off x="208941" y="151942"/>
+            <a:ext cx="8726118" cy="6554115"/>
           </a:xfrm>
           <a:prstGeom prst="rect">
             <a:avLst/>
